--- a/assets/pptx/LC06.pptx
+++ b/assets/pptx/LC06.pptx
@@ -4279,27 +4279,70 @@
           <a:bodyPr/>
           <a:lstStyle/>
           <a:p>
+            <a:endParaRPr lang="fr-FR" dirty="0"/>
+          </a:p>
+          <a:p>
+            <a:endParaRPr lang="fr-FR" dirty="0"/>
+          </a:p>
+          <a:p>
+            <a:endParaRPr lang="fr-FR" dirty="0"/>
+          </a:p>
+          <a:p>
+            <a:endParaRPr lang="fr-FR" dirty="0"/>
+          </a:p>
+          <a:p>
+            <a:endParaRPr lang="fr-FR" dirty="0"/>
+          </a:p>
+          <a:p>
+            <a:endParaRPr lang="fr-FR" dirty="0"/>
+          </a:p>
+          <a:p>
+            <a:endParaRPr lang="fr-FR" dirty="0"/>
+          </a:p>
+          <a:p>
             <a:r>
               <a:rPr lang="fr-FR" dirty="0"/>
-              <a:t>Voir décoloration Erythrosine B</a:t>
-            </a:r>
-          </a:p>
-          <a:p>
-            <a:endParaRPr lang="fr-FR" dirty="0"/>
-          </a:p>
-          <a:p>
-            <a:r>
-              <a:rPr lang="fr-FR" dirty="0"/>
-              <a:t>+ </a:t>
-            </a:r>
-            <a:r>
-              <a:rPr lang="fr-FR"/>
-              <a:t>Titrage vinaigre</a:t>
-            </a:r>
-            <a:endParaRPr lang="fr-FR" dirty="0"/>
-          </a:p>
-        </p:txBody>
-      </p:sp>
+              <a:t>+ Titrage vinaigre</a:t>
+            </a:r>
+          </a:p>
+        </p:txBody>
+      </p:sp>
+      <p:pic>
+        <p:nvPicPr>
+          <p:cNvPr id="5" name="Image 4" descr="Une image contenant texte&#10;&#10;Description générée automatiquement">
+            <a:extLst>
+              <a:ext uri="{FF2B5EF4-FFF2-40B4-BE49-F238E27FC236}">
+                <a16:creationId xmlns:a16="http://schemas.microsoft.com/office/drawing/2014/main" id="{A778476D-DFCA-4F4E-852F-15F064262524}"/>
+              </a:ext>
+            </a:extLst>
+          </p:cNvPr>
+          <p:cNvPicPr>
+            <a:picLocks noChangeAspect="1"/>
+          </p:cNvPicPr>
+          <p:nvPr/>
+        </p:nvPicPr>
+        <p:blipFill>
+          <a:blip r:embed="rId2">
+            <a:extLst>
+              <a:ext uri="{28A0092B-C50C-407E-A947-70E740481C1C}">
+                <a14:useLocalDpi xmlns:a14="http://schemas.microsoft.com/office/drawing/2010/main" val="0"/>
+              </a:ext>
+            </a:extLst>
+          </a:blip>
+          <a:stretch>
+            <a:fillRect/>
+          </a:stretch>
+        </p:blipFill>
+        <p:spPr>
+          <a:xfrm>
+            <a:off x="1634359" y="171450"/>
+            <a:ext cx="9144000" cy="5143500"/>
+          </a:xfrm>
+          <a:prstGeom prst="rect">
+            <a:avLst/>
+          </a:prstGeom>
+        </p:spPr>
+      </p:pic>
     </p:spTree>
     <p:extLst>
       <p:ext uri="{BB962C8B-B14F-4D97-AF65-F5344CB8AC3E}">

--- a/assets/pptx/LC06.pptx
+++ b/assets/pptx/LC06.pptx
@@ -265,7 +265,7 @@
           <a:p>
             <a:fld id="{13FF31B1-F9D4-4800-99D0-EB88BF42BDF6}" type="datetimeFigureOut">
               <a:rPr lang="fr-FR" smtClean="0"/>
-              <a:t>20/06/2021</a:t>
+              <a:t>23/06/2021</a:t>
             </a:fld>
             <a:endParaRPr lang="fr-FR"/>
           </a:p>
@@ -463,7 +463,7 @@
           <a:p>
             <a:fld id="{13FF31B1-F9D4-4800-99D0-EB88BF42BDF6}" type="datetimeFigureOut">
               <a:rPr lang="fr-FR" smtClean="0"/>
-              <a:t>20/06/2021</a:t>
+              <a:t>23/06/2021</a:t>
             </a:fld>
             <a:endParaRPr lang="fr-FR"/>
           </a:p>
@@ -671,7 +671,7 @@
           <a:p>
             <a:fld id="{13FF31B1-F9D4-4800-99D0-EB88BF42BDF6}" type="datetimeFigureOut">
               <a:rPr lang="fr-FR" smtClean="0"/>
-              <a:t>20/06/2021</a:t>
+              <a:t>23/06/2021</a:t>
             </a:fld>
             <a:endParaRPr lang="fr-FR"/>
           </a:p>
@@ -869,7 +869,7 @@
           <a:p>
             <a:fld id="{13FF31B1-F9D4-4800-99D0-EB88BF42BDF6}" type="datetimeFigureOut">
               <a:rPr lang="fr-FR" smtClean="0"/>
-              <a:t>20/06/2021</a:t>
+              <a:t>23/06/2021</a:t>
             </a:fld>
             <a:endParaRPr lang="fr-FR"/>
           </a:p>
@@ -1144,7 +1144,7 @@
           <a:p>
             <a:fld id="{13FF31B1-F9D4-4800-99D0-EB88BF42BDF6}" type="datetimeFigureOut">
               <a:rPr lang="fr-FR" smtClean="0"/>
-              <a:t>20/06/2021</a:t>
+              <a:t>23/06/2021</a:t>
             </a:fld>
             <a:endParaRPr lang="fr-FR"/>
           </a:p>
@@ -1409,7 +1409,7 @@
           <a:p>
             <a:fld id="{13FF31B1-F9D4-4800-99D0-EB88BF42BDF6}" type="datetimeFigureOut">
               <a:rPr lang="fr-FR" smtClean="0"/>
-              <a:t>20/06/2021</a:t>
+              <a:t>23/06/2021</a:t>
             </a:fld>
             <a:endParaRPr lang="fr-FR"/>
           </a:p>
@@ -1821,7 +1821,7 @@
           <a:p>
             <a:fld id="{13FF31B1-F9D4-4800-99D0-EB88BF42BDF6}" type="datetimeFigureOut">
               <a:rPr lang="fr-FR" smtClean="0"/>
-              <a:t>20/06/2021</a:t>
+              <a:t>23/06/2021</a:t>
             </a:fld>
             <a:endParaRPr lang="fr-FR"/>
           </a:p>
@@ -1962,7 +1962,7 @@
           <a:p>
             <a:fld id="{13FF31B1-F9D4-4800-99D0-EB88BF42BDF6}" type="datetimeFigureOut">
               <a:rPr lang="fr-FR" smtClean="0"/>
-              <a:t>20/06/2021</a:t>
+              <a:t>23/06/2021</a:t>
             </a:fld>
             <a:endParaRPr lang="fr-FR"/>
           </a:p>
@@ -2075,7 +2075,7 @@
           <a:p>
             <a:fld id="{13FF31B1-F9D4-4800-99D0-EB88BF42BDF6}" type="datetimeFigureOut">
               <a:rPr lang="fr-FR" smtClean="0"/>
-              <a:t>20/06/2021</a:t>
+              <a:t>23/06/2021</a:t>
             </a:fld>
             <a:endParaRPr lang="fr-FR"/>
           </a:p>
@@ -2386,7 +2386,7 @@
           <a:p>
             <a:fld id="{13FF31B1-F9D4-4800-99D0-EB88BF42BDF6}" type="datetimeFigureOut">
               <a:rPr lang="fr-FR" smtClean="0"/>
-              <a:t>20/06/2021</a:t>
+              <a:t>23/06/2021</a:t>
             </a:fld>
             <a:endParaRPr lang="fr-FR"/>
           </a:p>
@@ -2674,7 +2674,7 @@
           <a:p>
             <a:fld id="{13FF31B1-F9D4-4800-99D0-EB88BF42BDF6}" type="datetimeFigureOut">
               <a:rPr lang="fr-FR" smtClean="0"/>
-              <a:t>20/06/2021</a:t>
+              <a:t>23/06/2021</a:t>
             </a:fld>
             <a:endParaRPr lang="fr-FR"/>
           </a:p>
@@ -2915,7 +2915,7 @@
           <a:p>
             <a:fld id="{13FF31B1-F9D4-4800-99D0-EB88BF42BDF6}" type="datetimeFigureOut">
               <a:rPr lang="fr-FR" smtClean="0"/>
-              <a:t>20/06/2021</a:t>
+              <a:t>23/06/2021</a:t>
             </a:fld>
             <a:endParaRPr lang="fr-FR"/>
           </a:p>
@@ -3706,7 +3706,7 @@
         </p:blipFill>
         <p:spPr>
           <a:xfrm>
-            <a:off x="-148603" y="194734"/>
+            <a:off x="-288235" y="194734"/>
             <a:ext cx="8437578" cy="6468531"/>
           </a:xfrm>
           <a:prstGeom prst="rect">
@@ -3714,38 +3714,6 @@
           </a:prstGeom>
         </p:spPr>
       </p:pic>
-      <p:sp>
-        <p:nvSpPr>
-          <p:cNvPr id="2" name="Titre 1">
-            <a:extLst>
-              <a:ext uri="{FF2B5EF4-FFF2-40B4-BE49-F238E27FC236}">
-                <a16:creationId xmlns:a16="http://schemas.microsoft.com/office/drawing/2014/main" id="{DDC9049F-3FB9-45A9-BD3E-D6BE99CC8068}"/>
-              </a:ext>
-            </a:extLst>
-          </p:cNvPr>
-          <p:cNvSpPr>
-            <a:spLocks noGrp="1"/>
-          </p:cNvSpPr>
-          <p:nvPr>
-            <p:ph type="ctrTitle"/>
-          </p:nvPr>
-        </p:nvSpPr>
-        <p:spPr>
-          <a:xfrm>
-            <a:off x="-473242" y="-1622776"/>
-            <a:ext cx="12994105" cy="2387600"/>
-          </a:xfrm>
-        </p:spPr>
-        <p:txBody>
-          <a:bodyPr>
-            <a:normAutofit/>
-          </a:bodyPr>
-          <a:lstStyle/>
-          <a:p>
-            <a:endParaRPr lang="fr-FR" sz="3200" dirty="0"/>
-          </a:p>
-        </p:txBody>
-      </p:sp>
       <p:pic>
         <p:nvPicPr>
           <p:cNvPr id="30" name="Image 29">
@@ -3774,7 +3742,7 @@
         </p:blipFill>
         <p:spPr>
           <a:xfrm>
-            <a:off x="5423229" y="1316687"/>
+            <a:off x="5337503" y="1316686"/>
             <a:ext cx="6768771" cy="794101"/>
           </a:xfrm>
           <a:prstGeom prst="rect">
@@ -4049,31 +4017,6 @@
           </a:p>
         </p:txBody>
       </p:sp>
-      <p:sp>
-        <p:nvSpPr>
-          <p:cNvPr id="3" name="Espace réservé du contenu 2">
-            <a:extLst>
-              <a:ext uri="{FF2B5EF4-FFF2-40B4-BE49-F238E27FC236}">
-                <a16:creationId xmlns:a16="http://schemas.microsoft.com/office/drawing/2014/main" id="{3BB21036-5406-4ECE-8473-E0885137C375}"/>
-              </a:ext>
-            </a:extLst>
-          </p:cNvPr>
-          <p:cNvSpPr>
-            <a:spLocks noGrp="1"/>
-          </p:cNvSpPr>
-          <p:nvPr>
-            <p:ph idx="1"/>
-          </p:nvPr>
-        </p:nvSpPr>
-        <p:spPr/>
-        <p:txBody>
-          <a:bodyPr/>
-          <a:lstStyle/>
-          <a:p>
-            <a:endParaRPr lang="fr-FR"/>
-          </a:p>
-        </p:txBody>
-      </p:sp>
       <p:pic>
         <p:nvPicPr>
           <p:cNvPr id="4" name="Image 3">
@@ -4095,14 +4038,181 @@
         </p:blipFill>
         <p:spPr>
           <a:xfrm>
-            <a:off x="2028358" y="1403058"/>
-            <a:ext cx="8526352" cy="4051883"/>
+            <a:off x="915175" y="1442815"/>
+            <a:ext cx="9083590" cy="4316693"/>
           </a:xfrm>
           <a:prstGeom prst="rect">
             <a:avLst/>
           </a:prstGeom>
         </p:spPr>
       </p:pic>
+      <p:sp>
+        <p:nvSpPr>
+          <p:cNvPr id="5" name="ZoneTexte 4">
+            <a:extLst>
+              <a:ext uri="{FF2B5EF4-FFF2-40B4-BE49-F238E27FC236}">
+                <a16:creationId xmlns:a16="http://schemas.microsoft.com/office/drawing/2014/main" id="{B17C97DD-16B8-2148-B60C-2F7F9CA1D72D}"/>
+              </a:ext>
+            </a:extLst>
+          </p:cNvPr>
+          <p:cNvSpPr txBox="1"/>
+          <p:nvPr/>
+        </p:nvSpPr>
+        <p:spPr>
+          <a:xfrm>
+            <a:off x="10227365" y="1759226"/>
+            <a:ext cx="1341783" cy="369332"/>
+          </a:xfrm>
+          <a:prstGeom prst="rect">
+            <a:avLst/>
+          </a:prstGeom>
+          <a:noFill/>
+        </p:spPr>
+        <p:txBody>
+          <a:bodyPr wrap="square" rtlCol="0">
+            <a:spAutoFit/>
+          </a:bodyPr>
+          <a:lstStyle/>
+          <a:p>
+            <a:r>
+              <a:rPr lang="fr-FR" dirty="0"/>
+              <a:t> dérivée</a:t>
+            </a:r>
+          </a:p>
+        </p:txBody>
+      </p:sp>
+      <p:sp>
+        <p:nvSpPr>
+          <p:cNvPr id="6" name="Rectangle 5">
+            <a:extLst>
+              <a:ext uri="{FF2B5EF4-FFF2-40B4-BE49-F238E27FC236}">
+                <a16:creationId xmlns:a16="http://schemas.microsoft.com/office/drawing/2014/main" id="{EB85A7D1-58F0-BB4E-A0A1-CC4455B4F98D}"/>
+              </a:ext>
+            </a:extLst>
+          </p:cNvPr>
+          <p:cNvSpPr/>
+          <p:nvPr/>
+        </p:nvSpPr>
+        <p:spPr>
+          <a:xfrm>
+            <a:off x="9869557" y="1848678"/>
+            <a:ext cx="208721" cy="198783"/>
+          </a:xfrm>
+          <a:prstGeom prst="rect">
+            <a:avLst/>
+          </a:prstGeom>
+          <a:solidFill>
+            <a:schemeClr val="accent3"/>
+          </a:solidFill>
+          <a:ln w="38100">
+            <a:solidFill>
+              <a:schemeClr val="bg2">
+                <a:lumMod val="25000"/>
+              </a:schemeClr>
+            </a:solidFill>
+          </a:ln>
+        </p:spPr>
+        <p:style>
+          <a:lnRef idx="2">
+            <a:schemeClr val="accent1">
+              <a:shade val="50000"/>
+            </a:schemeClr>
+          </a:lnRef>
+          <a:fillRef idx="1">
+            <a:schemeClr val="accent1"/>
+          </a:fillRef>
+          <a:effectRef idx="0">
+            <a:schemeClr val="accent1"/>
+          </a:effectRef>
+          <a:fontRef idx="minor">
+            <a:schemeClr val="lt1"/>
+          </a:fontRef>
+        </p:style>
+        <p:txBody>
+          <a:bodyPr rtlCol="0" anchor="ctr"/>
+          <a:lstStyle/>
+          <a:p>
+            <a:pPr algn="ctr"/>
+            <a:endParaRPr lang="fr-FR"/>
+          </a:p>
+        </p:txBody>
+      </p:sp>
+      <p:cxnSp>
+        <p:nvCxnSpPr>
+          <p:cNvPr id="9" name="Connecteur droit 8">
+            <a:extLst>
+              <a:ext uri="{FF2B5EF4-FFF2-40B4-BE49-F238E27FC236}">
+                <a16:creationId xmlns:a16="http://schemas.microsoft.com/office/drawing/2014/main" id="{26C6332E-4054-2B4F-89F3-F584394CCA46}"/>
+              </a:ext>
+            </a:extLst>
+          </p:cNvPr>
+          <p:cNvCxnSpPr/>
+          <p:nvPr/>
+        </p:nvCxnSpPr>
+        <p:spPr>
+          <a:xfrm>
+            <a:off x="9869557" y="2305878"/>
+            <a:ext cx="208721" cy="0"/>
+          </a:xfrm>
+          <a:prstGeom prst="line">
+            <a:avLst/>
+          </a:prstGeom>
+          <a:ln w="38100">
+            <a:solidFill>
+              <a:srgbClr val="FF0000"/>
+            </a:solidFill>
+          </a:ln>
+        </p:spPr>
+        <p:style>
+          <a:lnRef idx="1">
+            <a:schemeClr val="accent1"/>
+          </a:lnRef>
+          <a:fillRef idx="0">
+            <a:schemeClr val="accent1"/>
+          </a:fillRef>
+          <a:effectRef idx="0">
+            <a:schemeClr val="accent1"/>
+          </a:effectRef>
+          <a:fontRef idx="minor">
+            <a:schemeClr val="tx1"/>
+          </a:fontRef>
+        </p:style>
+      </p:cxnSp>
+      <p:sp>
+        <p:nvSpPr>
+          <p:cNvPr id="10" name="ZoneTexte 9">
+            <a:extLst>
+              <a:ext uri="{FF2B5EF4-FFF2-40B4-BE49-F238E27FC236}">
+                <a16:creationId xmlns:a16="http://schemas.microsoft.com/office/drawing/2014/main" id="{4AB6B82C-FEE0-7444-AB0C-C3A10727275E}"/>
+              </a:ext>
+            </a:extLst>
+          </p:cNvPr>
+          <p:cNvSpPr txBox="1"/>
+          <p:nvPr/>
+        </p:nvSpPr>
+        <p:spPr>
+          <a:xfrm>
+            <a:off x="10227365" y="2121212"/>
+            <a:ext cx="1341783" cy="369332"/>
+          </a:xfrm>
+          <a:prstGeom prst="rect">
+            <a:avLst/>
+          </a:prstGeom>
+          <a:noFill/>
+        </p:spPr>
+        <p:txBody>
+          <a:bodyPr wrap="square" rtlCol="0">
+            <a:spAutoFit/>
+          </a:bodyPr>
+          <a:lstStyle/>
+          <a:p>
+            <a:r>
+              <a:rPr lang="fr-FR" dirty="0"/>
+              <a:t> pH</a:t>
+            </a:r>
+          </a:p>
+        </p:txBody>
+      </p:sp>
     </p:spTree>
     <p:extLst>
       <p:ext uri="{BB962C8B-B14F-4D97-AF65-F5344CB8AC3E}">
@@ -4198,11 +4308,450 @@
         </p:blipFill>
         <p:spPr>
           <a:xfrm>
-            <a:off x="268944" y="1244708"/>
-            <a:ext cx="11654112" cy="5613292"/>
+            <a:off x="151833" y="918328"/>
+            <a:ext cx="11659734" cy="5616000"/>
           </a:xfrm>
         </p:spPr>
       </p:pic>
+      <p:sp>
+        <p:nvSpPr>
+          <p:cNvPr id="3" name="Ellipse 2">
+            <a:extLst>
+              <a:ext uri="{FF2B5EF4-FFF2-40B4-BE49-F238E27FC236}">
+                <a16:creationId xmlns:a16="http://schemas.microsoft.com/office/drawing/2014/main" id="{F3C4AA0A-3DEF-0C43-8394-B3D16345CAC0}"/>
+              </a:ext>
+            </a:extLst>
+          </p:cNvPr>
+          <p:cNvSpPr/>
+          <p:nvPr/>
+        </p:nvSpPr>
+        <p:spPr>
+          <a:xfrm>
+            <a:off x="3170583" y="1232453"/>
+            <a:ext cx="8150087" cy="2494721"/>
+          </a:xfrm>
+          <a:prstGeom prst="ellipse">
+            <a:avLst/>
+          </a:prstGeom>
+          <a:noFill/>
+          <a:ln w="38100">
+            <a:solidFill>
+              <a:srgbClr val="FF0000"/>
+            </a:solidFill>
+          </a:ln>
+        </p:spPr>
+        <p:style>
+          <a:lnRef idx="2">
+            <a:schemeClr val="accent1">
+              <a:shade val="50000"/>
+            </a:schemeClr>
+          </a:lnRef>
+          <a:fillRef idx="1">
+            <a:schemeClr val="accent1"/>
+          </a:fillRef>
+          <a:effectRef idx="0">
+            <a:schemeClr val="accent1"/>
+          </a:effectRef>
+          <a:fontRef idx="minor">
+            <a:schemeClr val="lt1"/>
+          </a:fontRef>
+        </p:style>
+        <p:txBody>
+          <a:bodyPr rtlCol="0" anchor="ctr"/>
+          <a:lstStyle/>
+          <a:p>
+            <a:pPr algn="ctr"/>
+            <a:endParaRPr lang="fr-FR"/>
+          </a:p>
+        </p:txBody>
+      </p:sp>
+      <p:sp>
+        <p:nvSpPr>
+          <p:cNvPr id="4" name="Rectangle 3">
+            <a:extLst>
+              <a:ext uri="{FF2B5EF4-FFF2-40B4-BE49-F238E27FC236}">
+                <a16:creationId xmlns:a16="http://schemas.microsoft.com/office/drawing/2014/main" id="{B5748A01-3527-EE48-87FB-3BC44A376377}"/>
+              </a:ext>
+            </a:extLst>
+          </p:cNvPr>
+          <p:cNvSpPr/>
+          <p:nvPr/>
+        </p:nvSpPr>
+        <p:spPr>
+          <a:xfrm>
+            <a:off x="66261" y="4645502"/>
+            <a:ext cx="11745306" cy="1848678"/>
+          </a:xfrm>
+          <a:prstGeom prst="rect">
+            <a:avLst/>
+          </a:prstGeom>
+          <a:solidFill>
+            <a:schemeClr val="bg1"/>
+          </a:solidFill>
+          <a:ln>
+            <a:solidFill>
+              <a:schemeClr val="bg1"/>
+            </a:solidFill>
+          </a:ln>
+        </p:spPr>
+        <p:style>
+          <a:lnRef idx="2">
+            <a:schemeClr val="accent1">
+              <a:shade val="50000"/>
+            </a:schemeClr>
+          </a:lnRef>
+          <a:fillRef idx="1">
+            <a:schemeClr val="accent1"/>
+          </a:fillRef>
+          <a:effectRef idx="0">
+            <a:schemeClr val="accent1"/>
+          </a:effectRef>
+          <a:fontRef idx="minor">
+            <a:schemeClr val="lt1"/>
+          </a:fontRef>
+        </p:style>
+        <p:txBody>
+          <a:bodyPr rtlCol="0" anchor="ctr"/>
+          <a:lstStyle/>
+          <a:p>
+            <a:pPr algn="ctr"/>
+            <a:endParaRPr lang="fr-FR"/>
+          </a:p>
+        </p:txBody>
+      </p:sp>
+      <p:graphicFrame>
+        <p:nvGraphicFramePr>
+          <p:cNvPr id="7" name="Tableau 7">
+            <a:extLst>
+              <a:ext uri="{FF2B5EF4-FFF2-40B4-BE49-F238E27FC236}">
+                <a16:creationId xmlns:a16="http://schemas.microsoft.com/office/drawing/2014/main" id="{7F6D8322-8E37-BD43-A307-8D70CDC00D8C}"/>
+              </a:ext>
+            </a:extLst>
+          </p:cNvPr>
+          <p:cNvGraphicFramePr>
+            <a:graphicFrameLocks noGrp="1"/>
+          </p:cNvGraphicFramePr>
+          <p:nvPr>
+            <p:extLst>
+              <p:ext uri="{D42A27DB-BD31-4B8C-83A1-F6EECF244321}">
+                <p14:modId xmlns:p14="http://schemas.microsoft.com/office/powerpoint/2010/main" val="3714098430"/>
+              </p:ext>
+            </p:extLst>
+          </p:nvPr>
+        </p:nvGraphicFramePr>
+        <p:xfrm>
+          <a:off x="477078" y="5199001"/>
+          <a:ext cx="10356577" cy="914400"/>
+        </p:xfrm>
+        <a:graphic>
+          <a:graphicData uri="http://schemas.openxmlformats.org/drawingml/2006/table">
+            <a:tbl>
+              <a:tblPr firstRow="1" bandRow="1">
+                <a:tableStyleId>{9D7B26C5-4107-4FEC-AEDC-1716B250A1EF}</a:tableStyleId>
+              </a:tblPr>
+              <a:tblGrid>
+                <a:gridCol w="1479511">
+                  <a:extLst>
+                    <a:ext uri="{9D8B030D-6E8A-4147-A177-3AD203B41FA5}">
+                      <a16:colId xmlns:a16="http://schemas.microsoft.com/office/drawing/2014/main" val="1049720141"/>
+                    </a:ext>
+                  </a:extLst>
+                </a:gridCol>
+                <a:gridCol w="1479511">
+                  <a:extLst>
+                    <a:ext uri="{9D8B030D-6E8A-4147-A177-3AD203B41FA5}">
+                      <a16:colId xmlns:a16="http://schemas.microsoft.com/office/drawing/2014/main" val="3684749297"/>
+                    </a:ext>
+                  </a:extLst>
+                </a:gridCol>
+                <a:gridCol w="1479511">
+                  <a:extLst>
+                    <a:ext uri="{9D8B030D-6E8A-4147-A177-3AD203B41FA5}">
+                      <a16:colId xmlns:a16="http://schemas.microsoft.com/office/drawing/2014/main" val="1308450197"/>
+                    </a:ext>
+                  </a:extLst>
+                </a:gridCol>
+                <a:gridCol w="1479511">
+                  <a:extLst>
+                    <a:ext uri="{9D8B030D-6E8A-4147-A177-3AD203B41FA5}">
+                      <a16:colId xmlns:a16="http://schemas.microsoft.com/office/drawing/2014/main" val="219722338"/>
+                    </a:ext>
+                  </a:extLst>
+                </a:gridCol>
+                <a:gridCol w="1479511">
+                  <a:extLst>
+                    <a:ext uri="{9D8B030D-6E8A-4147-A177-3AD203B41FA5}">
+                      <a16:colId xmlns:a16="http://schemas.microsoft.com/office/drawing/2014/main" val="2751030685"/>
+                    </a:ext>
+                  </a:extLst>
+                </a:gridCol>
+                <a:gridCol w="1479511">
+                  <a:extLst>
+                    <a:ext uri="{9D8B030D-6E8A-4147-A177-3AD203B41FA5}">
+                      <a16:colId xmlns:a16="http://schemas.microsoft.com/office/drawing/2014/main" val="4088376514"/>
+                    </a:ext>
+                  </a:extLst>
+                </a:gridCol>
+                <a:gridCol w="1479511">
+                  <a:extLst>
+                    <a:ext uri="{9D8B030D-6E8A-4147-A177-3AD203B41FA5}">
+                      <a16:colId xmlns:a16="http://schemas.microsoft.com/office/drawing/2014/main" val="3587622380"/>
+                    </a:ext>
+                  </a:extLst>
+                </a:gridCol>
+              </a:tblGrid>
+              <a:tr h="370840">
+                <a:tc>
+                  <a:txBody>
+                    <a:bodyPr/>
+                    <a:lstStyle/>
+                    <a:p>
+                      <a:pPr algn="ctr"/>
+                      <a:r>
+                        <a:rPr lang="fr-FR" sz="2400" dirty="0"/>
+                        <a:t>Solution</a:t>
+                      </a:r>
+                    </a:p>
+                  </a:txBody>
+                  <a:tcPr anchor="ctr"/>
+                </a:tc>
+                <a:tc>
+                  <a:txBody>
+                    <a:bodyPr/>
+                    <a:lstStyle/>
+                    <a:p>
+                      <a:pPr algn="ctr"/>
+                      <a:r>
+                        <a:rPr lang="fr-FR" sz="2400" dirty="0"/>
+                        <a:t>S1</a:t>
+                      </a:r>
+                    </a:p>
+                  </a:txBody>
+                  <a:tcPr anchor="ctr"/>
+                </a:tc>
+                <a:tc>
+                  <a:txBody>
+                    <a:bodyPr/>
+                    <a:lstStyle/>
+                    <a:p>
+                      <a:pPr algn="ctr"/>
+                      <a:r>
+                        <a:rPr lang="fr-FR" sz="2400" dirty="0"/>
+                        <a:t>S2</a:t>
+                      </a:r>
+                    </a:p>
+                  </a:txBody>
+                  <a:tcPr anchor="ctr"/>
+                </a:tc>
+                <a:tc>
+                  <a:txBody>
+                    <a:bodyPr/>
+                    <a:lstStyle/>
+                    <a:p>
+                      <a:pPr algn="ctr"/>
+                      <a:r>
+                        <a:rPr lang="fr-FR" sz="2400" dirty="0"/>
+                        <a:t>S3</a:t>
+                      </a:r>
+                    </a:p>
+                  </a:txBody>
+                  <a:tcPr anchor="ctr"/>
+                </a:tc>
+                <a:tc>
+                  <a:txBody>
+                    <a:bodyPr/>
+                    <a:lstStyle/>
+                    <a:p>
+                      <a:pPr algn="ctr"/>
+                      <a:r>
+                        <a:rPr lang="fr-FR" sz="2400" dirty="0"/>
+                        <a:t>S4</a:t>
+                      </a:r>
+                    </a:p>
+                  </a:txBody>
+                  <a:tcPr anchor="ctr"/>
+                </a:tc>
+                <a:tc>
+                  <a:txBody>
+                    <a:bodyPr/>
+                    <a:lstStyle/>
+                    <a:p>
+                      <a:pPr algn="ctr"/>
+                      <a:r>
+                        <a:rPr lang="fr-FR" sz="2400" dirty="0"/>
+                        <a:t>S5</a:t>
+                      </a:r>
+                    </a:p>
+                  </a:txBody>
+                  <a:tcPr anchor="ctr"/>
+                </a:tc>
+                <a:tc>
+                  <a:txBody>
+                    <a:bodyPr/>
+                    <a:lstStyle/>
+                    <a:p>
+                      <a:pPr algn="ctr"/>
+                      <a:r>
+                        <a:rPr lang="fr-FR" sz="2400" dirty="0"/>
+                        <a:t>S6</a:t>
+                      </a:r>
+                    </a:p>
+                  </a:txBody>
+                  <a:tcPr anchor="ctr"/>
+                </a:tc>
+                <a:extLst>
+                  <a:ext uri="{0D108BD9-81ED-4DB2-BD59-A6C34878D82A}">
+                    <a16:rowId xmlns:a16="http://schemas.microsoft.com/office/drawing/2014/main" val="3139194715"/>
+                  </a:ext>
+                </a:extLst>
+              </a:tr>
+              <a:tr h="370840">
+                <a:tc>
+                  <a:txBody>
+                    <a:bodyPr/>
+                    <a:lstStyle/>
+                    <a:p>
+                      <a:pPr algn="ctr"/>
+                      <a:r>
+                        <a:rPr lang="fr-FR" sz="2400" dirty="0"/>
+                        <a:t>C (mol/L)</a:t>
+                      </a:r>
+                    </a:p>
+                  </a:txBody>
+                  <a:tcPr anchor="ctr"/>
+                </a:tc>
+                <a:tc>
+                  <a:txBody>
+                    <a:bodyPr/>
+                    <a:lstStyle/>
+                    <a:p>
+                      <a:pPr algn="ctr"/>
+                      <a:r>
+                        <a:rPr lang="fr-FR" sz="2400" dirty="0"/>
+                        <a:t>3</a:t>
+                      </a:r>
+                      <a:r>
+                        <a:rPr lang="fr-FR" sz="2400" baseline="0" dirty="0"/>
+                        <a:t> x 10</a:t>
+                      </a:r>
+                      <a:r>
+                        <a:rPr lang="fr-FR" sz="2400" baseline="30000" dirty="0"/>
+                        <a:t>-5</a:t>
+                      </a:r>
+                      <a:r>
+                        <a:rPr lang="fr-FR" sz="2400" baseline="0" dirty="0"/>
+                        <a:t> </a:t>
+                      </a:r>
+                      <a:endParaRPr lang="fr-FR" sz="2400" dirty="0"/>
+                    </a:p>
+                  </a:txBody>
+                  <a:tcPr anchor="ctr"/>
+                </a:tc>
+                <a:tc>
+                  <a:txBody>
+                    <a:bodyPr/>
+                    <a:lstStyle/>
+                    <a:p>
+                      <a:pPr algn="ctr"/>
+                      <a:r>
+                        <a:rPr lang="fr-FR" sz="2400" baseline="0" dirty="0"/>
+                        <a:t>5 x 10</a:t>
+                      </a:r>
+                      <a:r>
+                        <a:rPr lang="fr-FR" sz="2400" baseline="30000" dirty="0"/>
+                        <a:t>-5</a:t>
+                      </a:r>
+                      <a:endParaRPr lang="fr-FR" sz="2400" dirty="0"/>
+                    </a:p>
+                  </a:txBody>
+                  <a:tcPr anchor="ctr"/>
+                </a:tc>
+                <a:tc>
+                  <a:txBody>
+                    <a:bodyPr/>
+                    <a:lstStyle/>
+                    <a:p>
+                      <a:pPr algn="ctr"/>
+                      <a:r>
+                        <a:rPr lang="fr-FR" sz="2400" baseline="0" dirty="0"/>
+                        <a:t>7 x 10</a:t>
+                      </a:r>
+                      <a:r>
+                        <a:rPr lang="fr-FR" sz="2400" baseline="30000" dirty="0"/>
+                        <a:t>-5</a:t>
+                      </a:r>
+                      <a:endParaRPr lang="fr-FR" sz="2400" dirty="0"/>
+                    </a:p>
+                  </a:txBody>
+                  <a:tcPr anchor="ctr"/>
+                </a:tc>
+                <a:tc>
+                  <a:txBody>
+                    <a:bodyPr/>
+                    <a:lstStyle/>
+                    <a:p>
+                      <a:pPr algn="ctr"/>
+                      <a:r>
+                        <a:rPr lang="fr-FR" sz="2400" baseline="0" dirty="0"/>
+                        <a:t>8 x 10</a:t>
+                      </a:r>
+                      <a:r>
+                        <a:rPr lang="fr-FR" sz="2400" baseline="30000" dirty="0"/>
+                        <a:t>-5</a:t>
+                      </a:r>
+                      <a:endParaRPr lang="fr-FR" sz="2400" dirty="0"/>
+                    </a:p>
+                  </a:txBody>
+                  <a:tcPr anchor="ctr"/>
+                </a:tc>
+                <a:tc>
+                  <a:txBody>
+                    <a:bodyPr/>
+                    <a:lstStyle/>
+                    <a:p>
+                      <a:pPr algn="ctr"/>
+                      <a:r>
+                        <a:rPr lang="fr-FR" sz="2400" baseline="0" dirty="0"/>
+                        <a:t>9 x 10</a:t>
+                      </a:r>
+                      <a:r>
+                        <a:rPr lang="fr-FR" sz="2400" baseline="30000" dirty="0"/>
+                        <a:t>-5</a:t>
+                      </a:r>
+                      <a:endParaRPr lang="fr-FR" sz="2400" dirty="0"/>
+                    </a:p>
+                  </a:txBody>
+                  <a:tcPr anchor="ctr"/>
+                </a:tc>
+                <a:tc>
+                  <a:txBody>
+                    <a:bodyPr/>
+                    <a:lstStyle/>
+                    <a:p>
+                      <a:pPr algn="ctr"/>
+                      <a:r>
+                        <a:rPr lang="fr-FR" sz="2400" baseline="0" dirty="0"/>
+                        <a:t>1 x 10</a:t>
+                      </a:r>
+                      <a:r>
+                        <a:rPr lang="fr-FR" sz="2400" baseline="30000" dirty="0"/>
+                        <a:t>-4</a:t>
+                      </a:r>
+                      <a:endParaRPr lang="fr-FR" sz="2400" dirty="0"/>
+                    </a:p>
+                  </a:txBody>
+                  <a:tcPr anchor="ctr"/>
+                </a:tc>
+                <a:extLst>
+                  <a:ext uri="{0D108BD9-81ED-4DB2-BD59-A6C34878D82A}">
+                    <a16:rowId xmlns:a16="http://schemas.microsoft.com/office/drawing/2014/main" val="3640004354"/>
+                  </a:ext>
+                </a:extLst>
+              </a:tr>
+            </a:tbl>
+          </a:graphicData>
+        </a:graphic>
+      </p:graphicFrame>
     </p:spTree>
     <p:extLst>
       <p:ext uri="{BB962C8B-B14F-4D97-AF65-F5344CB8AC3E}">
